--- a/12345.pptx
+++ b/12345.pptx
@@ -8,12 +8,13 @@
     <p:sldId id="256" r:id="rId2"/>
     <p:sldId id="257" r:id="rId3"/>
     <p:sldId id="258" r:id="rId4"/>
-    <p:sldId id="259" r:id="rId5"/>
-    <p:sldId id="260" r:id="rId6"/>
-    <p:sldId id="261" r:id="rId7"/>
-    <p:sldId id="264" r:id="rId8"/>
-    <p:sldId id="262" r:id="rId9"/>
-    <p:sldId id="263" r:id="rId10"/>
+    <p:sldId id="265" r:id="rId5"/>
+    <p:sldId id="259" r:id="rId6"/>
+    <p:sldId id="260" r:id="rId7"/>
+    <p:sldId id="261" r:id="rId8"/>
+    <p:sldId id="264" r:id="rId9"/>
+    <p:sldId id="262" r:id="rId10"/>
+    <p:sldId id="263" r:id="rId11"/>
   </p:sldIdLst>
   <p:sldSz cx="12192000" cy="6858000"/>
   <p:notesSz cx="6858000" cy="9144000"/>
@@ -2981,7 +2982,7 @@
                 <a16:creationId xmlns:a16="http://schemas.microsoft.com/office/drawing/2014/main" id="{9180DE06-7362-4888-AADA-7AADD57AC49D}"/>
               </a:ext>
               <a:ext uri="{C183D7F6-B498-43B3-948B-1728B52AA6E4}">
-                <adec:decorative xmlns:adec="http://schemas.microsoft.com/office/drawing/2017/decorative" xmlns="" val="1"/>
+                <adec:decorative xmlns="" xmlns:adec="http://schemas.microsoft.com/office/drawing/2017/decorative" val="1"/>
               </a:ext>
             </a:extLst>
           </p:cNvPr>
@@ -3072,7 +3073,7 @@
                 <a16:creationId xmlns:a16="http://schemas.microsoft.com/office/drawing/2014/main" id="{3AF6A671-C637-4547-85F4-51B6D1881399}"/>
               </a:ext>
               <a:ext uri="{C183D7F6-B498-43B3-948B-1728B52AA6E4}">
-                <adec:decorative xmlns:adec="http://schemas.microsoft.com/office/drawing/2017/decorative" xmlns="" val="1"/>
+                <adec:decorative xmlns="" xmlns:adec="http://schemas.microsoft.com/office/drawing/2017/decorative" val="1"/>
               </a:ext>
             </a:extLst>
           </p:cNvPr>
@@ -3103,7 +3104,7 @@
                   <a16:creationId xmlns:a16="http://schemas.microsoft.com/office/drawing/2014/main" id="{C575CF26-3D3C-4C5A-A2B7-00432016EF62}"/>
                 </a:ext>
                 <a:ext uri="{C183D7F6-B498-43B3-948B-1728B52AA6E4}">
-                  <adec:decorative xmlns:adec="http://schemas.microsoft.com/office/drawing/2017/decorative" xmlns="" val="1"/>
+                  <adec:decorative xmlns="" xmlns:adec="http://schemas.microsoft.com/office/drawing/2017/decorative" val="1"/>
                 </a:ext>
               </a:extLst>
             </p:cNvPr>
@@ -3155,7 +3156,7 @@
                   <a16:creationId xmlns:a16="http://schemas.microsoft.com/office/drawing/2014/main" id="{99413ED5-9ED4-4772-BCE4-2BCAE6B12E35}"/>
                 </a:ext>
                 <a:ext uri="{C183D7F6-B498-43B3-948B-1728B52AA6E4}">
-                  <adec:decorative xmlns:adec="http://schemas.microsoft.com/office/drawing/2017/decorative" xmlns="" val="1"/>
+                  <adec:decorative xmlns="" xmlns:adec="http://schemas.microsoft.com/office/drawing/2017/decorative" val="1"/>
                 </a:ext>
               </a:extLst>
             </p:cNvPr>
@@ -3252,7 +3253,7 @@
                 <a16:creationId xmlns:a16="http://schemas.microsoft.com/office/drawing/2014/main" id="{04357C93-F0CB-4A1C-8F77-4E9063789819}"/>
               </a:ext>
               <a:ext uri="{C183D7F6-B498-43B3-948B-1728B52AA6E4}">
-                <adec:decorative xmlns:adec="http://schemas.microsoft.com/office/drawing/2017/decorative" xmlns="" val="1"/>
+                <adec:decorative xmlns="" xmlns:adec="http://schemas.microsoft.com/office/drawing/2017/decorative" val="1"/>
               </a:ext>
             </a:extLst>
           </p:cNvPr>
@@ -3361,6 +3362,348 @@
 </p:sld>
 </file>
 
+<file path=ppt/slides/slide10.xml><?xml version="1.0" encoding="utf-8"?>
+<p:sld xmlns:a="http://schemas.openxmlformats.org/drawingml/2006/main" xmlns:r="http://schemas.openxmlformats.org/officeDocument/2006/relationships" xmlns:p="http://schemas.openxmlformats.org/presentationml/2006/main">
+  <p:cSld>
+    <p:bg>
+      <p:bgPr>
+        <a:solidFill>
+          <a:schemeClr val="bg1"/>
+        </a:solidFill>
+        <a:effectLst/>
+      </p:bgPr>
+    </p:bg>
+    <p:spTree>
+      <p:nvGrpSpPr>
+        <p:cNvPr id="1" name=""/>
+        <p:cNvGrpSpPr/>
+        <p:nvPr/>
+      </p:nvGrpSpPr>
+      <p:grpSpPr>
+        <a:xfrm>
+          <a:off x="0" y="0"/>
+          <a:ext cx="0" cy="0"/>
+          <a:chOff x="0" y="0"/>
+          <a:chExt cx="0" cy="0"/>
+        </a:xfrm>
+      </p:grpSpPr>
+      <p:sp>
+        <p:nvSpPr>
+          <p:cNvPr id="22" name="Rectangle 18">
+            <a:extLst>
+              <a:ext uri="{FF2B5EF4-FFF2-40B4-BE49-F238E27FC236}">
+                <a16:creationId xmlns:a16="http://schemas.microsoft.com/office/drawing/2014/main" id="{37C89E4B-3C9F-44B9-8B86-D9E3D112D8EC}"/>
+              </a:ext>
+              <a:ext uri="{C183D7F6-B498-43B3-948B-1728B52AA6E4}">
+                <adec:decorative xmlns="" xmlns:adec="http://schemas.microsoft.com/office/drawing/2017/decorative" val="1"/>
+              </a:ext>
+            </a:extLst>
+          </p:cNvPr>
+          <p:cNvSpPr>
+            <a:spLocks noGrp="1" noRot="1" noChangeAspect="1" noMove="1" noResize="1" noEditPoints="1" noAdjustHandles="1" noChangeArrowheads="1" noChangeShapeType="1" noTextEdit="1"/>
+          </p:cNvSpPr>
+          <p:nvPr>
+            <p:extLst>
+              <p:ext uri="{386F3935-93C4-4BCD-93E2-E3B085C9AB24}">
+                <p16:designElem xmlns:p16="http://schemas.microsoft.com/office/powerpoint/2015/main" val="1"/>
+              </p:ext>
+            </p:extLst>
+          </p:nvPr>
+        </p:nvSpPr>
+        <p:spPr>
+          <a:xfrm>
+            <a:off x="0" y="5320142"/>
+            <a:ext cx="12192000" cy="736551"/>
+          </a:xfrm>
+          <a:prstGeom prst="rect">
+            <a:avLst/>
+          </a:prstGeom>
+          <a:solidFill>
+            <a:schemeClr val="bg1">
+              <a:alpha val="93000"/>
+            </a:schemeClr>
+          </a:solidFill>
+          <a:ln>
+            <a:noFill/>
+          </a:ln>
+        </p:spPr>
+        <p:style>
+          <a:lnRef idx="2">
+            <a:schemeClr val="accent1">
+              <a:shade val="50000"/>
+            </a:schemeClr>
+          </a:lnRef>
+          <a:fillRef idx="1">
+            <a:schemeClr val="accent1"/>
+          </a:fillRef>
+          <a:effectRef idx="0">
+            <a:schemeClr val="accent1"/>
+          </a:effectRef>
+          <a:fontRef idx="minor">
+            <a:schemeClr val="lt1"/>
+          </a:fontRef>
+        </p:style>
+        <p:txBody>
+          <a:bodyPr rtlCol="0" anchor="ctr"/>
+          <a:lstStyle/>
+          <a:p>
+            <a:pPr algn="ctr"/>
+            <a:endParaRPr lang="en-US"/>
+          </a:p>
+        </p:txBody>
+      </p:sp>
+      <p:cxnSp>
+        <p:nvCxnSpPr>
+          <p:cNvPr id="21" name="Straight Connector 20">
+            <a:extLst>
+              <a:ext uri="{FF2B5EF4-FFF2-40B4-BE49-F238E27FC236}">
+                <a16:creationId xmlns:a16="http://schemas.microsoft.com/office/drawing/2014/main" id="{AA2EAA10-076F-46BD-8F0F-B9A2FB77A85C}"/>
+              </a:ext>
+              <a:ext uri="{C183D7F6-B498-43B3-948B-1728B52AA6E4}">
+                <adec:decorative xmlns="" xmlns:adec="http://schemas.microsoft.com/office/drawing/2017/decorative" val="1"/>
+              </a:ext>
+            </a:extLst>
+          </p:cNvPr>
+          <p:cNvCxnSpPr>
+            <a:cxnSpLocks noGrp="1" noRot="1" noChangeAspect="1" noMove="1" noResize="1" noEditPoints="1" noAdjustHandles="1" noChangeArrowheads="1" noChangeShapeType="1"/>
+          </p:cNvCxnSpPr>
+          <p:nvPr>
+            <p:extLst>
+              <p:ext uri="{386F3935-93C4-4BCD-93E2-E3B085C9AB24}">
+                <p16:designElem xmlns:p16="http://schemas.microsoft.com/office/powerpoint/2015/main" val="1"/>
+              </p:ext>
+            </p:extLst>
+          </p:nvPr>
+        </p:nvCxnSpPr>
+        <p:spPr>
+          <a:xfrm>
+            <a:off x="0" y="5241983"/>
+            <a:ext cx="12192000" cy="0"/>
+          </a:xfrm>
+          <a:prstGeom prst="line">
+            <a:avLst/>
+          </a:prstGeom>
+          <a:ln w="41275">
+            <a:solidFill>
+              <a:schemeClr val="bg1">
+                <a:alpha val="90000"/>
+              </a:schemeClr>
+            </a:solidFill>
+          </a:ln>
+        </p:spPr>
+        <p:style>
+          <a:lnRef idx="1">
+            <a:schemeClr val="accent1"/>
+          </a:lnRef>
+          <a:fillRef idx="0">
+            <a:schemeClr val="accent1"/>
+          </a:fillRef>
+          <a:effectRef idx="0">
+            <a:schemeClr val="accent1"/>
+          </a:effectRef>
+          <a:fontRef idx="minor">
+            <a:schemeClr val="tx1"/>
+          </a:fontRef>
+        </p:style>
+      </p:cxnSp>
+      <p:cxnSp>
+        <p:nvCxnSpPr>
+          <p:cNvPr id="23" name="Straight Connector 22">
+            <a:extLst>
+              <a:ext uri="{FF2B5EF4-FFF2-40B4-BE49-F238E27FC236}">
+                <a16:creationId xmlns:a16="http://schemas.microsoft.com/office/drawing/2014/main" id="{D891E407-403B-4764-86C9-33A56D3BCAA3}"/>
+              </a:ext>
+              <a:ext uri="{C183D7F6-B498-43B3-948B-1728B52AA6E4}">
+                <adec:decorative xmlns="" xmlns:adec="http://schemas.microsoft.com/office/drawing/2017/decorative" val="1"/>
+              </a:ext>
+            </a:extLst>
+          </p:cNvPr>
+          <p:cNvCxnSpPr>
+            <a:cxnSpLocks noGrp="1" noRot="1" noChangeAspect="1" noMove="1" noResize="1" noEditPoints="1" noAdjustHandles="1" noChangeArrowheads="1" noChangeShapeType="1"/>
+          </p:cNvCxnSpPr>
+          <p:nvPr>
+            <p:extLst>
+              <p:ext uri="{386F3935-93C4-4BCD-93E2-E3B085C9AB24}">
+                <p16:designElem xmlns:p16="http://schemas.microsoft.com/office/powerpoint/2015/main" val="1"/>
+              </p:ext>
+            </p:extLst>
+          </p:nvPr>
+        </p:nvCxnSpPr>
+        <p:spPr>
+          <a:xfrm>
+            <a:off x="0" y="6134852"/>
+            <a:ext cx="12192000" cy="0"/>
+          </a:xfrm>
+          <a:prstGeom prst="line">
+            <a:avLst/>
+          </a:prstGeom>
+          <a:ln w="41275">
+            <a:solidFill>
+              <a:schemeClr val="bg1">
+                <a:alpha val="90000"/>
+              </a:schemeClr>
+            </a:solidFill>
+          </a:ln>
+        </p:spPr>
+        <p:style>
+          <a:lnRef idx="1">
+            <a:schemeClr val="accent1"/>
+          </a:lnRef>
+          <a:fillRef idx="0">
+            <a:schemeClr val="accent1"/>
+          </a:fillRef>
+          <a:effectRef idx="0">
+            <a:schemeClr val="accent1"/>
+          </a:effectRef>
+          <a:fontRef idx="minor">
+            <a:schemeClr val="tx1"/>
+          </a:fontRef>
+        </p:style>
+      </p:cxnSp>
+      <p:pic>
+        <p:nvPicPr>
+          <p:cNvPr id="2050" name="Picture 2" descr="Coplus seek Full Stack Web Developer - Coplus"/>
+          <p:cNvPicPr>
+            <a:picLocks noGrp="1" noChangeAspect="1" noChangeArrowheads="1"/>
+          </p:cNvPicPr>
+          <p:nvPr>
+            <p:ph type="pic" idx="1"/>
+          </p:nvPr>
+        </p:nvPicPr>
+        <p:blipFill>
+          <a:blip r:embed="rId2">
+            <a:extLst>
+              <a:ext uri="{28A0092B-C50C-407E-A947-70E740481C1C}">
+                <a14:useLocalDpi xmlns:a14="http://schemas.microsoft.com/office/drawing/2010/main" val="0"/>
+              </a:ext>
+            </a:extLst>
+          </a:blip>
+          <a:srcRect l="11359" r="11359"/>
+          <a:stretch>
+            <a:fillRect/>
+          </a:stretch>
+        </p:blipFill>
+        <p:spPr bwMode="auto">
+          <a:xfrm>
+            <a:off x="0" y="6708"/>
+            <a:ext cx="12344400" cy="9747250"/>
+          </a:xfrm>
+          <a:prstGeom prst="rect">
+            <a:avLst/>
+          </a:prstGeom>
+          <a:noFill/>
+          <a:extLst>
+            <a:ext uri="{909E8E84-426E-40DD-AFC4-6F175D3DCCD1}">
+              <a14:hiddenFill xmlns:a14="http://schemas.microsoft.com/office/drawing/2010/main">
+                <a:solidFill>
+                  <a:srgbClr val="FFFFFF"/>
+                </a:solidFill>
+              </a14:hiddenFill>
+            </a:ext>
+          </a:extLst>
+        </p:spPr>
+      </p:pic>
+      <p:sp>
+        <p:nvSpPr>
+          <p:cNvPr id="11" name="Заглавие 1">
+            <a:extLst>
+              <a:ext uri="{FF2B5EF4-FFF2-40B4-BE49-F238E27FC236}">
+                <a16:creationId xmlns:a16="http://schemas.microsoft.com/office/drawing/2014/main" id="{0C3F9B46-8E7D-FBDF-95C3-820B9C5CAF05}"/>
+              </a:ext>
+            </a:extLst>
+          </p:cNvPr>
+          <p:cNvSpPr txBox="1">
+            <a:spLocks/>
+          </p:cNvSpPr>
+          <p:nvPr/>
+        </p:nvSpPr>
+        <p:spPr>
+          <a:xfrm>
+            <a:off x="3300153" y="5317240"/>
+            <a:ext cx="5793971" cy="744836"/>
+          </a:xfrm>
+          <a:prstGeom prst="rect">
+            <a:avLst/>
+          </a:prstGeom>
+          <a:solidFill>
+            <a:schemeClr val="bg1"/>
+          </a:solidFill>
+        </p:spPr>
+        <p:txBody>
+          <a:bodyPr vert="horz" lIns="91440" tIns="45720" rIns="91440" bIns="45720" rtlCol="0" anchor="ctr">
+            <a:normAutofit/>
+          </a:bodyPr>
+          <a:lstStyle>
+            <a:lvl1pPr algn="l" defTabSz="914400" rtl="0" eaLnBrk="1" latinLnBrk="0" hangingPunct="1">
+              <a:lnSpc>
+                <a:spcPct val="90000"/>
+              </a:lnSpc>
+              <a:spcBef>
+                <a:spcPct val="0"/>
+              </a:spcBef>
+              <a:buNone/>
+              <a:defRPr sz="3200" kern="1200">
+                <a:solidFill>
+                  <a:schemeClr val="tx1"/>
+                </a:solidFill>
+                <a:latin typeface="+mj-lt"/>
+                <a:ea typeface="+mj-ea"/>
+                <a:cs typeface="+mj-cs"/>
+              </a:defRPr>
+            </a:lvl1pPr>
+          </a:lstStyle>
+          <a:p>
+            <a:pPr algn="ctr"/>
+            <a:r>
+              <a:rPr lang="en-US" sz="2300" dirty="0" smtClean="0"/>
+              <a:t>БЛАГОДАРЯ ВИ ЗА ВНИМАНИЕТО! </a:t>
+            </a:r>
+            <a:br>
+              <a:rPr lang="en-US" sz="2300" dirty="0" smtClean="0"/>
+            </a:br>
+            <a:r>
+              <a:rPr lang="en-US" sz="2300" dirty="0" err="1" smtClean="0"/>
+              <a:t>Използвана</a:t>
+            </a:r>
+            <a:r>
+              <a:rPr lang="en-US" sz="2300" dirty="0" smtClean="0"/>
+              <a:t> </a:t>
+            </a:r>
+            <a:r>
+              <a:rPr lang="en-US" sz="2300" dirty="0" err="1" smtClean="0"/>
+              <a:t>литература</a:t>
+            </a:r>
+            <a:r>
+              <a:rPr lang="en-US" sz="2300" dirty="0" smtClean="0"/>
+              <a:t> : GitHub</a:t>
+            </a:r>
+            <a:endParaRPr lang="en-US" sz="2300" dirty="0"/>
+          </a:p>
+        </p:txBody>
+      </p:sp>
+    </p:spTree>
+    <p:extLst>
+      <p:ext uri="{BB962C8B-B14F-4D97-AF65-F5344CB8AC3E}">
+        <p14:creationId xmlns:p14="http://schemas.microsoft.com/office/powerpoint/2010/main" val="2726626398"/>
+      </p:ext>
+    </p:extLst>
+  </p:cSld>
+  <p:clrMapOvr>
+    <a:masterClrMapping/>
+  </p:clrMapOvr>
+  <p:transition spd="slow">
+    <p:push dir="u"/>
+  </p:transition>
+  <p:timing>
+    <p:tnLst>
+      <p:par>
+        <p:cTn id="1" dur="indefinite" restart="never" nodeType="tmRoot"/>
+      </p:par>
+    </p:tnLst>
+  </p:timing>
+</p:sld>
+</file>
+
 <file path=ppt/slides/slide2.xml><?xml version="1.0" encoding="utf-8"?>
 <p:sld xmlns:a="http://schemas.openxmlformats.org/drawingml/2006/main" xmlns:r="http://schemas.openxmlformats.org/officeDocument/2006/relationships" xmlns:p="http://schemas.openxmlformats.org/presentationml/2006/main">
   <p:cSld>
@@ -3394,7 +3737,7 @@
                 <a16:creationId xmlns:a16="http://schemas.microsoft.com/office/drawing/2014/main" id="{C2554CA6-288E-4202-BC52-2E5A8F0C0AED}"/>
               </a:ext>
               <a:ext uri="{C183D7F6-B498-43B3-948B-1728B52AA6E4}">
-                <adec:decorative xmlns:adec="http://schemas.microsoft.com/office/drawing/2017/decorative" xmlns="" val="1"/>
+                <adec:decorative xmlns="" xmlns:adec="http://schemas.microsoft.com/office/drawing/2017/decorative" val="1"/>
               </a:ext>
             </a:extLst>
           </p:cNvPr>
@@ -3454,7 +3797,7 @@
                 <a16:creationId xmlns:a16="http://schemas.microsoft.com/office/drawing/2014/main" id="{B10BB131-AC8E-4A8E-A5D1-36260F720C3B}"/>
               </a:ext>
               <a:ext uri="{C183D7F6-B498-43B3-948B-1728B52AA6E4}">
-                <adec:decorative xmlns:adec="http://schemas.microsoft.com/office/drawing/2017/decorative" xmlns="" val="1"/>
+                <adec:decorative xmlns="" xmlns:adec="http://schemas.microsoft.com/office/drawing/2017/decorative" val="1"/>
               </a:ext>
             </a:extLst>
           </p:cNvPr>
@@ -3556,7 +3899,7 @@
                 <a16:creationId xmlns:a16="http://schemas.microsoft.com/office/drawing/2014/main" id="{5B7778FC-632E-4DCA-A7CB-0D7731CCF970}"/>
               </a:ext>
               <a:ext uri="{C183D7F6-B498-43B3-948B-1728B52AA6E4}">
-                <adec:decorative xmlns:adec="http://schemas.microsoft.com/office/drawing/2017/decorative" xmlns="" val="1"/>
+                <adec:decorative xmlns="" xmlns:adec="http://schemas.microsoft.com/office/drawing/2017/decorative" val="1"/>
               </a:ext>
             </a:extLst>
           </p:cNvPr>
@@ -3650,7 +3993,7 @@
                 <a16:creationId xmlns:a16="http://schemas.microsoft.com/office/drawing/2014/main" id="{FA23A907-97FB-4A8F-880A-DD77401C4296}"/>
               </a:ext>
               <a:ext uri="{C183D7F6-B498-43B3-948B-1728B52AA6E4}">
-                <adec:decorative xmlns:adec="http://schemas.microsoft.com/office/drawing/2017/decorative" xmlns="" val="1"/>
+                <adec:decorative xmlns="" xmlns:adec="http://schemas.microsoft.com/office/drawing/2017/decorative" val="1"/>
               </a:ext>
             </a:extLst>
           </p:cNvPr>
@@ -3865,7 +4208,7 @@
                 <a16:creationId xmlns:a16="http://schemas.microsoft.com/office/drawing/2014/main" id="{C2554CA6-288E-4202-BC52-2E5A8F0C0AED}"/>
               </a:ext>
               <a:ext uri="{C183D7F6-B498-43B3-948B-1728B52AA6E4}">
-                <adec:decorative xmlns:adec="http://schemas.microsoft.com/office/drawing/2017/decorative" xmlns="" val="1"/>
+                <adec:decorative xmlns="" xmlns:adec="http://schemas.microsoft.com/office/drawing/2017/decorative" val="1"/>
               </a:ext>
             </a:extLst>
           </p:cNvPr>
@@ -3925,7 +4268,7 @@
                 <a16:creationId xmlns:a16="http://schemas.microsoft.com/office/drawing/2014/main" id="{B10BB131-AC8E-4A8E-A5D1-36260F720C3B}"/>
               </a:ext>
               <a:ext uri="{C183D7F6-B498-43B3-948B-1728B52AA6E4}">
-                <adec:decorative xmlns:adec="http://schemas.microsoft.com/office/drawing/2017/decorative" xmlns="" val="1"/>
+                <adec:decorative xmlns="" xmlns:adec="http://schemas.microsoft.com/office/drawing/2017/decorative" val="1"/>
               </a:ext>
             </a:extLst>
           </p:cNvPr>
@@ -4035,7 +4378,7 @@
                 <a16:creationId xmlns:a16="http://schemas.microsoft.com/office/drawing/2014/main" id="{5B7778FC-632E-4DCA-A7CB-0D7731CCF970}"/>
               </a:ext>
               <a:ext uri="{C183D7F6-B498-43B3-948B-1728B52AA6E4}">
-                <adec:decorative xmlns:adec="http://schemas.microsoft.com/office/drawing/2017/decorative" xmlns="" val="1"/>
+                <adec:decorative xmlns="" xmlns:adec="http://schemas.microsoft.com/office/drawing/2017/decorative" val="1"/>
               </a:ext>
             </a:extLst>
           </p:cNvPr>
@@ -4129,7 +4472,7 @@
                 <a16:creationId xmlns:a16="http://schemas.microsoft.com/office/drawing/2014/main" id="{FA23A907-97FB-4A8F-880A-DD77401C4296}"/>
               </a:ext>
               <a:ext uri="{C183D7F6-B498-43B3-948B-1728B52AA6E4}">
-                <adec:decorative xmlns:adec="http://schemas.microsoft.com/office/drawing/2017/decorative" xmlns="" val="1"/>
+                <adec:decorative xmlns="" xmlns:adec="http://schemas.microsoft.com/office/drawing/2017/decorative" val="1"/>
               </a:ext>
             </a:extLst>
           </p:cNvPr>
@@ -4350,6 +4693,102 @@
 <file path=ppt/slides/slide4.xml><?xml version="1.0" encoding="utf-8"?>
 <p:sld xmlns:a="http://schemas.openxmlformats.org/drawingml/2006/main" xmlns:r="http://schemas.openxmlformats.org/officeDocument/2006/relationships" xmlns:p="http://schemas.openxmlformats.org/presentationml/2006/main">
   <p:cSld>
+    <p:spTree>
+      <p:nvGrpSpPr>
+        <p:cNvPr id="1" name=""/>
+        <p:cNvGrpSpPr/>
+        <p:nvPr/>
+      </p:nvGrpSpPr>
+      <p:grpSpPr>
+        <a:xfrm>
+          <a:off x="0" y="0"/>
+          <a:ext cx="0" cy="0"/>
+          <a:chOff x="0" y="0"/>
+          <a:chExt cx="0" cy="0"/>
+        </a:xfrm>
+      </p:grpSpPr>
+      <p:sp>
+        <p:nvSpPr>
+          <p:cNvPr id="2" name="Title 1"/>
+          <p:cNvSpPr>
+            <a:spLocks noGrp="1"/>
+          </p:cNvSpPr>
+          <p:nvPr>
+            <p:ph type="title"/>
+          </p:nvPr>
+        </p:nvSpPr>
+        <p:spPr>
+          <a:xfrm>
+            <a:off x="838200" y="162659"/>
+            <a:ext cx="10515600" cy="1325563"/>
+          </a:xfrm>
+        </p:spPr>
+        <p:txBody>
+          <a:bodyPr/>
+          <a:lstStyle/>
+          <a:p>
+            <a:pPr algn="ctr"/>
+            <a:r>
+              <a:rPr lang="bg-BG" dirty="0" smtClean="0"/>
+              <a:t>Структура на базата данни</a:t>
+            </a:r>
+            <a:br>
+              <a:rPr lang="bg-BG" dirty="0" smtClean="0"/>
+            </a:br>
+            <a:endParaRPr lang="bg-BG" dirty="0"/>
+          </a:p>
+        </p:txBody>
+      </p:sp>
+      <p:pic>
+        <p:nvPicPr>
+          <p:cNvPr id="4" name="Picture 3"/>
+          <p:cNvPicPr>
+            <a:picLocks noChangeAspect="1"/>
+          </p:cNvPicPr>
+          <p:nvPr/>
+        </p:nvPicPr>
+        <p:blipFill>
+          <a:blip r:embed="rId2"/>
+          <a:stretch>
+            <a:fillRect/>
+          </a:stretch>
+        </p:blipFill>
+        <p:spPr>
+          <a:xfrm>
+            <a:off x="2382249" y="1150819"/>
+            <a:ext cx="7427502" cy="5700950"/>
+          </a:xfrm>
+          <a:prstGeom prst="rect">
+            <a:avLst/>
+          </a:prstGeom>
+        </p:spPr>
+      </p:pic>
+    </p:spTree>
+    <p:extLst>
+      <p:ext uri="{BB962C8B-B14F-4D97-AF65-F5344CB8AC3E}">
+        <p14:creationId xmlns:p14="http://schemas.microsoft.com/office/powerpoint/2010/main" val="1910013153"/>
+      </p:ext>
+    </p:extLst>
+  </p:cSld>
+  <p:clrMapOvr>
+    <a:masterClrMapping/>
+  </p:clrMapOvr>
+  <p:transition spd="slow">
+    <p:push dir="u"/>
+  </p:transition>
+  <p:timing>
+    <p:tnLst>
+      <p:par>
+        <p:cTn id="1" dur="indefinite" restart="never" nodeType="tmRoot"/>
+      </p:par>
+    </p:tnLst>
+  </p:timing>
+</p:sld>
+</file>
+
+<file path=ppt/slides/slide5.xml><?xml version="1.0" encoding="utf-8"?>
+<p:sld xmlns:a="http://schemas.openxmlformats.org/drawingml/2006/main" xmlns:r="http://schemas.openxmlformats.org/officeDocument/2006/relationships" xmlns:p="http://schemas.openxmlformats.org/presentationml/2006/main">
+  <p:cSld>
     <p:bg>
       <p:bgPr>
         <a:solidFill>
@@ -4380,7 +4819,7 @@
                 <a16:creationId xmlns:a16="http://schemas.microsoft.com/office/drawing/2014/main" id="{1135A26D-9D47-467E-91F1-31149BF0D213}"/>
               </a:ext>
               <a:ext uri="{C183D7F6-B498-43B3-948B-1728B52AA6E4}">
-                <adec:decorative xmlns:adec="http://schemas.microsoft.com/office/drawing/2017/decorative" xmlns="" val="1"/>
+                <adec:decorative xmlns="" xmlns:adec="http://schemas.microsoft.com/office/drawing/2017/decorative" val="1"/>
               </a:ext>
             </a:extLst>
           </p:cNvPr>
@@ -4480,7 +4919,7 @@
                 <a16:creationId xmlns:a16="http://schemas.microsoft.com/office/drawing/2014/main" id="{CB147A70-DC29-4DDF-A34C-2B82C6E2295E}"/>
               </a:ext>
               <a:ext uri="{C183D7F6-B498-43B3-948B-1728B52AA6E4}">
-                <adec:decorative xmlns:adec="http://schemas.microsoft.com/office/drawing/2017/decorative" xmlns="" val="1"/>
+                <adec:decorative xmlns="" xmlns:adec="http://schemas.microsoft.com/office/drawing/2017/decorative" val="1"/>
               </a:ext>
             </a:extLst>
           </p:cNvPr>
@@ -4825,7 +5264,7 @@
                 <a16:creationId xmlns:a16="http://schemas.microsoft.com/office/drawing/2014/main" id="{3B438362-1E1E-4C62-A99E-4134CB16366C}"/>
               </a:ext>
               <a:ext uri="{C183D7F6-B498-43B3-948B-1728B52AA6E4}">
-                <adec:decorative xmlns:adec="http://schemas.microsoft.com/office/drawing/2017/decorative" xmlns="" val="1"/>
+                <adec:decorative xmlns="" xmlns:adec="http://schemas.microsoft.com/office/drawing/2017/decorative" val="1"/>
               </a:ext>
             </a:extLst>
           </p:cNvPr>
@@ -4888,7 +5327,7 @@
                 <a16:creationId xmlns:a16="http://schemas.microsoft.com/office/drawing/2014/main" id="{6C077334-5571-4B83-A83E-4CCCFA7B5E8A}"/>
               </a:ext>
               <a:ext uri="{C183D7F6-B498-43B3-948B-1728B52AA6E4}">
-                <adec:decorative xmlns:adec="http://schemas.microsoft.com/office/drawing/2017/decorative" xmlns="" val="1"/>
+                <adec:decorative xmlns="" xmlns:adec="http://schemas.microsoft.com/office/drawing/2017/decorative" val="1"/>
               </a:ext>
             </a:extLst>
           </p:cNvPr>
@@ -5273,7 +5712,7 @@
                 <a16:creationId xmlns:a16="http://schemas.microsoft.com/office/drawing/2014/main" id="{4D3DC50D-CA0F-48F9-B17E-20D8669AA4E0}"/>
               </a:ext>
               <a:ext uri="{C183D7F6-B498-43B3-948B-1728B52AA6E4}">
-                <adec:decorative xmlns:adec="http://schemas.microsoft.com/office/drawing/2017/decorative" xmlns="" val="1"/>
+                <adec:decorative xmlns="" xmlns:adec="http://schemas.microsoft.com/office/drawing/2017/decorative" val="1"/>
               </a:ext>
             </a:extLst>
           </p:cNvPr>
@@ -5337,7 +5776,7 @@
                 <a16:creationId xmlns:a16="http://schemas.microsoft.com/office/drawing/2014/main" id="{D1B80E9C-CF8A-440B-B8F5-54BF121BF458}"/>
               </a:ext>
               <a:ext uri="{C183D7F6-B498-43B3-948B-1728B52AA6E4}">
-                <adec:decorative xmlns:adec="http://schemas.microsoft.com/office/drawing/2017/decorative" xmlns="" val="1"/>
+                <adec:decorative xmlns="" xmlns:adec="http://schemas.microsoft.com/office/drawing/2017/decorative" val="1"/>
               </a:ext>
             </a:extLst>
           </p:cNvPr>
@@ -5480,7 +5919,7 @@
 </p:sld>
 </file>
 
-<file path=ppt/slides/slide5.xml><?xml version="1.0" encoding="utf-8"?>
+<file path=ppt/slides/slide6.xml><?xml version="1.0" encoding="utf-8"?>
 <p:sld xmlns:a="http://schemas.openxmlformats.org/drawingml/2006/main" xmlns:r="http://schemas.openxmlformats.org/officeDocument/2006/relationships" xmlns:p="http://schemas.openxmlformats.org/presentationml/2006/main">
   <p:cSld>
     <p:bg>
@@ -5513,7 +5952,7 @@
                 <a16:creationId xmlns:a16="http://schemas.microsoft.com/office/drawing/2014/main" id="{2B577FF9-3543-4875-815D-3D87BD8A2002}"/>
               </a:ext>
               <a:ext uri="{C183D7F6-B498-43B3-948B-1728B52AA6E4}">
-                <adec:decorative xmlns:adec="http://schemas.microsoft.com/office/drawing/2017/decorative" xmlns="" val="1"/>
+                <adec:decorative xmlns="" xmlns:adec="http://schemas.microsoft.com/office/drawing/2017/decorative" val="1"/>
               </a:ext>
             </a:extLst>
           </p:cNvPr>
@@ -5826,7 +6265,7 @@
                 <a16:creationId xmlns:a16="http://schemas.microsoft.com/office/drawing/2014/main" id="{F5569EEC-E12F-4856-B407-02B2813A4AA5}"/>
               </a:ext>
               <a:ext uri="{C183D7F6-B498-43B3-948B-1728B52AA6E4}">
-                <adec:decorative xmlns:adec="http://schemas.microsoft.com/office/drawing/2017/decorative" xmlns="" val="1"/>
+                <adec:decorative xmlns="" xmlns:adec="http://schemas.microsoft.com/office/drawing/2017/decorative" val="1"/>
               </a:ext>
             </a:extLst>
           </p:cNvPr>
@@ -5953,7 +6392,7 @@
                 <a16:creationId xmlns:a16="http://schemas.microsoft.com/office/drawing/2014/main" id="{CF860788-3A6A-45A3-B3F1-06F159665603}"/>
               </a:ext>
               <a:ext uri="{C183D7F6-B498-43B3-948B-1728B52AA6E4}">
-                <adec:decorative xmlns:adec="http://schemas.microsoft.com/office/drawing/2017/decorative" xmlns="" val="1"/>
+                <adec:decorative xmlns="" xmlns:adec="http://schemas.microsoft.com/office/drawing/2017/decorative" val="1"/>
               </a:ext>
             </a:extLst>
           </p:cNvPr>
@@ -6065,80 +6504,6 @@
           </a:p>
         </p:txBody>
       </p:sp>
-      <p:pic>
-        <p:nvPicPr>
-          <p:cNvPr id="5" name="Картина 4" descr="Картина, която съдържа текст, екранна снимка, софтуер, Мултимедиен софтуер&#10;&#10;Описанието е генерирано автоматично">
-            <a:extLst>
-              <a:ext uri="{FF2B5EF4-FFF2-40B4-BE49-F238E27FC236}">
-                <a16:creationId xmlns:a16="http://schemas.microsoft.com/office/drawing/2014/main" id="{14BB2780-D405-F710-E74C-FDDD456825DF}"/>
-              </a:ext>
-            </a:extLst>
-          </p:cNvPr>
-          <p:cNvPicPr>
-            <a:picLocks noChangeAspect="1"/>
-          </p:cNvPicPr>
-          <p:nvPr/>
-        </p:nvPicPr>
-        <p:blipFill>
-          <a:blip r:embed="rId2"/>
-          <a:stretch>
-            <a:fillRect/>
-          </a:stretch>
-        </p:blipFill>
-        <p:spPr>
-          <a:xfrm>
-            <a:off x="8160173" y="1209578"/>
-            <a:ext cx="1921644" cy="4055897"/>
-          </a:xfrm>
-          <a:custGeom>
-            <a:avLst/>
-            <a:gdLst/>
-            <a:ahLst/>
-            <a:cxnLst/>
-            <a:rect l="l" t="t" r="r" b="b"/>
-            <a:pathLst>
-              <a:path w="4579832" h="5347063">
-                <a:moveTo>
-                  <a:pt x="106985" y="0"/>
-                </a:moveTo>
-                <a:lnTo>
-                  <a:pt x="4472847" y="0"/>
-                </a:lnTo>
-                <a:cubicBezTo>
-                  <a:pt x="4531933" y="0"/>
-                  <a:pt x="4579832" y="47899"/>
-                  <a:pt x="4579832" y="106985"/>
-                </a:cubicBezTo>
-                <a:lnTo>
-                  <a:pt x="4579832" y="5240078"/>
-                </a:lnTo>
-                <a:cubicBezTo>
-                  <a:pt x="4579832" y="5299164"/>
-                  <a:pt x="4531933" y="5347063"/>
-                  <a:pt x="4472847" y="5347063"/>
-                </a:cubicBezTo>
-                <a:lnTo>
-                  <a:pt x="106985" y="5347063"/>
-                </a:lnTo>
-                <a:cubicBezTo>
-                  <a:pt x="47899" y="5347063"/>
-                  <a:pt x="0" y="5299164"/>
-                  <a:pt x="0" y="5240078"/>
-                </a:cubicBezTo>
-                <a:lnTo>
-                  <a:pt x="0" y="106985"/>
-                </a:lnTo>
-                <a:cubicBezTo>
-                  <a:pt x="0" y="47899"/>
-                  <a:pt x="47899" y="0"/>
-                  <a:pt x="106985" y="0"/>
-                </a:cubicBezTo>
-                <a:close/>
-              </a:path>
-            </a:pathLst>
-          </a:custGeom>
-        </p:spPr>
-      </p:pic>
       <p:sp>
         <p:nvSpPr>
           <p:cNvPr id="16" name="Freeform: Shape 15">
@@ -6147,7 +6512,7 @@
                 <a16:creationId xmlns:a16="http://schemas.microsoft.com/office/drawing/2014/main" id="{DF1E3393-B852-4883-B778-ED3525112942}"/>
               </a:ext>
               <a:ext uri="{C183D7F6-B498-43B3-948B-1728B52AA6E4}">
-                <adec:decorative xmlns:adec="http://schemas.microsoft.com/office/drawing/2017/decorative" xmlns="" val="1"/>
+                <adec:decorative xmlns="" xmlns:adec="http://schemas.microsoft.com/office/drawing/2017/decorative" val="1"/>
               </a:ext>
             </a:extLst>
           </p:cNvPr>
@@ -6267,7 +6632,7 @@
                 <a16:creationId xmlns:a16="http://schemas.microsoft.com/office/drawing/2014/main" id="{39853D09-4205-4CC7-83EB-288E886AC9E4}"/>
               </a:ext>
               <a:ext uri="{C183D7F6-B498-43B3-948B-1728B52AA6E4}">
-                <adec:decorative xmlns:adec="http://schemas.microsoft.com/office/drawing/2017/decorative" xmlns="" val="1"/>
+                <adec:decorative xmlns="" xmlns:adec="http://schemas.microsoft.com/office/drawing/2017/decorative" val="1"/>
               </a:ext>
             </a:extLst>
           </p:cNvPr>
@@ -6604,7 +6969,7 @@
                 <a16:creationId xmlns:a16="http://schemas.microsoft.com/office/drawing/2014/main" id="{0D040B79-3E73-4A31-840D-D6B9C9FDFC46}"/>
               </a:ext>
               <a:ext uri="{C183D7F6-B498-43B3-948B-1728B52AA6E4}">
-                <adec:decorative xmlns:adec="http://schemas.microsoft.com/office/drawing/2017/decorative" xmlns="" val="1"/>
+                <adec:decorative xmlns="" xmlns:adec="http://schemas.microsoft.com/office/drawing/2017/decorative" val="1"/>
               </a:ext>
             </a:extLst>
           </p:cNvPr>
@@ -6732,7 +7097,7 @@
                 <a16:creationId xmlns:a16="http://schemas.microsoft.com/office/drawing/2014/main" id="{156C6AE5-3F8B-42AC-9EA4-1B686A11E93F}"/>
               </a:ext>
               <a:ext uri="{C183D7F6-B498-43B3-948B-1728B52AA6E4}">
-                <adec:decorative xmlns:adec="http://schemas.microsoft.com/office/drawing/2017/decorative" xmlns="" val="1"/>
+                <adec:decorative xmlns="" xmlns:adec="http://schemas.microsoft.com/office/drawing/2017/decorative" val="1"/>
               </a:ext>
             </a:extLst>
           </p:cNvPr>
@@ -6849,6 +7214,30 @@
           </a:p>
         </p:txBody>
       </p:sp>
+      <p:pic>
+        <p:nvPicPr>
+          <p:cNvPr id="4" name="Picture 3"/>
+          <p:cNvPicPr>
+            <a:picLocks noChangeAspect="1"/>
+          </p:cNvPicPr>
+          <p:nvPr/>
+        </p:nvPicPr>
+        <p:blipFill>
+          <a:blip r:embed="rId2"/>
+          <a:stretch>
+            <a:fillRect/>
+          </a:stretch>
+        </p:blipFill>
+        <p:spPr>
+          <a:xfrm>
+            <a:off x="7517874" y="214463"/>
+            <a:ext cx="2459561" cy="6343915"/>
+          </a:xfrm>
+          <a:prstGeom prst="rect">
+            <a:avLst/>
+          </a:prstGeom>
+        </p:spPr>
+      </p:pic>
     </p:spTree>
     <p:extLst>
       <p:ext uri="{BB962C8B-B14F-4D97-AF65-F5344CB8AC3E}">
@@ -6872,7 +7261,7 @@
 </p:sld>
 </file>
 
-<file path=ppt/slides/slide6.xml><?xml version="1.0" encoding="utf-8"?>
+<file path=ppt/slides/slide7.xml><?xml version="1.0" encoding="utf-8"?>
 <p:sld xmlns:a="http://schemas.openxmlformats.org/drawingml/2006/main" xmlns:r="http://schemas.openxmlformats.org/officeDocument/2006/relationships" xmlns:p="http://schemas.openxmlformats.org/presentationml/2006/main">
   <p:cSld>
     <p:bg>
@@ -6905,7 +7294,7 @@
                 <a16:creationId xmlns:a16="http://schemas.microsoft.com/office/drawing/2014/main" id="{B9D7E975-9161-4F2D-AC53-69E1912F6B5D}"/>
               </a:ext>
               <a:ext uri="{C183D7F6-B498-43B3-948B-1728B52AA6E4}">
-                <adec:decorative xmlns:adec="http://schemas.microsoft.com/office/drawing/2017/decorative" xmlns="" val="1"/>
+                <adec:decorative xmlns="" xmlns:adec="http://schemas.microsoft.com/office/drawing/2017/decorative" val="1"/>
               </a:ext>
             </a:extLst>
           </p:cNvPr>
@@ -6957,38 +7346,6 @@
           </a:p>
         </p:txBody>
       </p:sp>
-      <p:pic>
-        <p:nvPicPr>
-          <p:cNvPr id="4" name="Контейнер за съдържание 3" descr="Картина, която съдържа текст, екранна снимка, софтуер&#10;&#10;Описанието е генерирано автоматично">
-            <a:extLst>
-              <a:ext uri="{FF2B5EF4-FFF2-40B4-BE49-F238E27FC236}">
-                <a16:creationId xmlns:a16="http://schemas.microsoft.com/office/drawing/2014/main" id="{BA1A24DA-7878-A895-8323-3840A472007D}"/>
-              </a:ext>
-            </a:extLst>
-          </p:cNvPr>
-          <p:cNvPicPr>
-            <a:picLocks noGrp="1" noChangeAspect="1"/>
-          </p:cNvPicPr>
-          <p:nvPr>
-            <p:ph idx="1"/>
-          </p:nvPr>
-        </p:nvPicPr>
-        <p:blipFill>
-          <a:blip r:embed="rId2"/>
-          <a:stretch>
-            <a:fillRect/>
-          </a:stretch>
-        </p:blipFill>
-        <p:spPr>
-          <a:xfrm>
-            <a:off x="621675" y="1376223"/>
-            <a:ext cx="6589537" cy="4101986"/>
-          </a:xfrm>
-          <a:prstGeom prst="rect">
-            <a:avLst/>
-          </a:prstGeom>
-        </p:spPr>
-      </p:pic>
       <p:sp>
         <p:nvSpPr>
           <p:cNvPr id="19" name="Right Triangle 10">
@@ -6997,7 +7354,7 @@
                 <a16:creationId xmlns:a16="http://schemas.microsoft.com/office/drawing/2014/main" id="{827DC2C4-B485-428A-BF4A-472D2967F47F}"/>
               </a:ext>
               <a:ext uri="{C183D7F6-B498-43B3-948B-1728B52AA6E4}">
-                <adec:decorative xmlns:adec="http://schemas.microsoft.com/office/drawing/2017/decorative" xmlns="" val="1"/>
+                <adec:decorative xmlns="" xmlns:adec="http://schemas.microsoft.com/office/drawing/2017/decorative" val="1"/>
               </a:ext>
             </a:extLst>
           </p:cNvPr>
@@ -7060,7 +7417,7 @@
                 <a16:creationId xmlns:a16="http://schemas.microsoft.com/office/drawing/2014/main" id="{463E6235-1649-4B47-9862-4026FC473B6F}"/>
               </a:ext>
               <a:ext uri="{C183D7F6-B498-43B3-948B-1728B52AA6E4}">
-                <adec:decorative xmlns:adec="http://schemas.microsoft.com/office/drawing/2017/decorative" xmlns="" val="1"/>
+                <adec:decorative xmlns="" xmlns:adec="http://schemas.microsoft.com/office/drawing/2017/decorative" val="1"/>
               </a:ext>
             </a:extLst>
           </p:cNvPr>
@@ -7170,6 +7527,49 @@
           </a:p>
         </p:txBody>
       </p:sp>
+      <p:sp>
+        <p:nvSpPr>
+          <p:cNvPr id="3" name="Content Placeholder 2"/>
+          <p:cNvSpPr>
+            <a:spLocks noGrp="1"/>
+          </p:cNvSpPr>
+          <p:nvPr>
+            <p:ph idx="1"/>
+          </p:nvPr>
+        </p:nvSpPr>
+        <p:spPr/>
+        <p:txBody>
+          <a:bodyPr/>
+          <a:lstStyle/>
+          <a:p>
+            <a:endParaRPr lang="bg-BG"/>
+          </a:p>
+        </p:txBody>
+      </p:sp>
+      <p:pic>
+        <p:nvPicPr>
+          <p:cNvPr id="5" name="Picture 4"/>
+          <p:cNvPicPr>
+            <a:picLocks noChangeAspect="1"/>
+          </p:cNvPicPr>
+          <p:nvPr/>
+        </p:nvPicPr>
+        <p:blipFill>
+          <a:blip r:embed="rId2"/>
+          <a:stretch>
+            <a:fillRect/>
+          </a:stretch>
+        </p:blipFill>
+        <p:spPr>
+          <a:xfrm>
+            <a:off x="574297" y="513696"/>
+            <a:ext cx="6800508" cy="5644342"/>
+          </a:xfrm>
+          <a:prstGeom prst="rect">
+            <a:avLst/>
+          </a:prstGeom>
+        </p:spPr>
+      </p:pic>
     </p:spTree>
     <p:extLst>
       <p:ext uri="{BB962C8B-B14F-4D97-AF65-F5344CB8AC3E}">
@@ -7193,7 +7593,7 @@
 </p:sld>
 </file>
 
-<file path=ppt/slides/slide7.xml><?xml version="1.0" encoding="utf-8"?>
+<file path=ppt/slides/slide8.xml><?xml version="1.0" encoding="utf-8"?>
 <p:sld xmlns:a="http://schemas.openxmlformats.org/drawingml/2006/main" xmlns:r="http://schemas.openxmlformats.org/officeDocument/2006/relationships" xmlns:p="http://schemas.openxmlformats.org/presentationml/2006/main">
   <p:cSld>
     <p:spTree>
@@ -7225,7 +7625,7 @@
           <a:bodyPr/>
           <a:lstStyle/>
           <a:p>
-            <a:endParaRPr lang="bg-BG"/>
+            <a:endParaRPr lang="bg-BG" dirty="0"/>
           </a:p>
         </p:txBody>
       </p:sp>
@@ -7250,7 +7650,7 @@
       </p:sp>
       <p:pic>
         <p:nvPicPr>
-          <p:cNvPr id="4" name="Picture 3"/>
+          <p:cNvPr id="6" name="Picture 5"/>
           <p:cNvPicPr>
             <a:picLocks noChangeAspect="1"/>
           </p:cNvPicPr>
@@ -7264,8 +7664,8 @@
         </p:blipFill>
         <p:spPr>
           <a:xfrm>
-            <a:off x="100955" y="365125"/>
-            <a:ext cx="5161002" cy="6151419"/>
+            <a:off x="77945" y="365124"/>
+            <a:ext cx="5508208" cy="6151419"/>
           </a:xfrm>
           <a:prstGeom prst="rect">
             <a:avLst/>
@@ -7274,7 +7674,7 @@
       </p:pic>
       <p:pic>
         <p:nvPicPr>
-          <p:cNvPr id="5" name="Picture 4"/>
+          <p:cNvPr id="7" name="Picture 6"/>
           <p:cNvPicPr>
             <a:picLocks noChangeAspect="1"/>
           </p:cNvPicPr>
@@ -7288,8 +7688,8 @@
         </p:blipFill>
         <p:spPr>
           <a:xfrm>
-            <a:off x="5358913" y="365125"/>
-            <a:ext cx="6732132" cy="6151419"/>
+            <a:off x="5673575" y="365124"/>
+            <a:ext cx="6440480" cy="6151419"/>
           </a:xfrm>
           <a:prstGeom prst="rect">
             <a:avLst/>
@@ -7319,7 +7719,7 @@
 </p:sld>
 </file>
 
-<file path=ppt/slides/slide8.xml><?xml version="1.0" encoding="utf-8"?>
+<file path=ppt/slides/slide9.xml><?xml version="1.0" encoding="utf-8"?>
 <p:sld xmlns:a="http://schemas.openxmlformats.org/drawingml/2006/main" xmlns:r="http://schemas.openxmlformats.org/officeDocument/2006/relationships" xmlns:p="http://schemas.openxmlformats.org/presentationml/2006/main">
   <p:cSld>
     <p:bg>
@@ -7352,7 +7752,7 @@
                 <a16:creationId xmlns:a16="http://schemas.microsoft.com/office/drawing/2014/main" id="{B6CDA21F-E7AF-4C75-8395-33F58D5B0E45}"/>
               </a:ext>
               <a:ext uri="{C183D7F6-B498-43B3-948B-1728B52AA6E4}">
-                <adec:decorative xmlns:adec="http://schemas.microsoft.com/office/drawing/2017/decorative" xmlns="" val="1"/>
+                <adec:decorative xmlns="" xmlns:adec="http://schemas.microsoft.com/office/drawing/2017/decorative" val="1"/>
               </a:ext>
             </a:extLst>
           </p:cNvPr>
@@ -7412,7 +7812,7 @@
                 <a16:creationId xmlns:a16="http://schemas.microsoft.com/office/drawing/2014/main" id="{AE1C45F0-260A-458C-96ED-C1F6D2151219}"/>
               </a:ext>
               <a:ext uri="{C183D7F6-B498-43B3-948B-1728B52AA6E4}">
-                <adec:decorative xmlns:adec="http://schemas.microsoft.com/office/drawing/2017/decorative" xmlns="" val="1"/>
+                <adec:decorative xmlns="" xmlns:adec="http://schemas.microsoft.com/office/drawing/2017/decorative" val="1"/>
               </a:ext>
             </a:extLst>
           </p:cNvPr>
@@ -7446,7 +7846,7 @@
                   <a16:creationId xmlns:a16="http://schemas.microsoft.com/office/drawing/2014/main" id="{A6604B49-AD5C-4590-B051-06C8222ECD99}"/>
                 </a:ext>
                 <a:ext uri="{C183D7F6-B498-43B3-948B-1728B52AA6E4}">
-                  <adec:decorative xmlns:adec="http://schemas.microsoft.com/office/drawing/2017/decorative" xmlns="" val="1"/>
+                  <adec:decorative xmlns="" xmlns:adec="http://schemas.microsoft.com/office/drawing/2017/decorative" val="1"/>
                 </a:ext>
               </a:extLst>
             </p:cNvPr>
@@ -7505,7 +7905,7 @@
                   <a16:creationId xmlns:a16="http://schemas.microsoft.com/office/drawing/2014/main" id="{743ECCAF-29C5-4537-947C-7EA1292463DB}"/>
                 </a:ext>
                 <a:ext uri="{C183D7F6-B498-43B3-948B-1728B52AA6E4}">
-                  <adec:decorative xmlns:adec="http://schemas.microsoft.com/office/drawing/2017/decorative" xmlns="" val="1"/>
+                  <adec:decorative xmlns="" xmlns:adec="http://schemas.microsoft.com/office/drawing/2017/decorative" val="1"/>
                 </a:ext>
               </a:extLst>
             </p:cNvPr>
@@ -7564,7 +7964,7 @@
                   <a16:creationId xmlns:a16="http://schemas.microsoft.com/office/drawing/2014/main" id="{ED49787B-8DE6-4467-AD0A-8DECC6E0C2D6}"/>
                 </a:ext>
                 <a:ext uri="{C183D7F6-B498-43B3-948B-1728B52AA6E4}">
-                  <adec:decorative xmlns:adec="http://schemas.microsoft.com/office/drawing/2017/decorative" xmlns="" val="1"/>
+                  <adec:decorative xmlns="" xmlns:adec="http://schemas.microsoft.com/office/drawing/2017/decorative" val="1"/>
                 </a:ext>
               </a:extLst>
             </p:cNvPr>
@@ -7624,7 +8024,7 @@
                 <a16:creationId xmlns:a16="http://schemas.microsoft.com/office/drawing/2014/main" id="{D5B0017B-2ECA-49AF-B397-DC140825DF8D}"/>
               </a:ext>
               <a:ext uri="{C183D7F6-B498-43B3-948B-1728B52AA6E4}">
-                <adec:decorative xmlns:adec="http://schemas.microsoft.com/office/drawing/2017/decorative" xmlns="" val="1"/>
+                <adec:decorative xmlns="" xmlns:adec="http://schemas.microsoft.com/office/drawing/2017/decorative" val="1"/>
               </a:ext>
             </a:extLst>
           </p:cNvPr>
@@ -7823,7 +8223,7 @@
                 <a16:creationId xmlns:a16="http://schemas.microsoft.com/office/drawing/2014/main" id="{6CF1BAF6-AD41-4082-B212-8A1F9A2E8779}"/>
               </a:ext>
               <a:ext uri="{C183D7F6-B498-43B3-948B-1728B52AA6E4}">
-                <adec:decorative xmlns:adec="http://schemas.microsoft.com/office/drawing/2017/decorative" xmlns="" val="1"/>
+                <adec:decorative xmlns="" xmlns:adec="http://schemas.microsoft.com/office/drawing/2017/decorative" val="1"/>
               </a:ext>
             </a:extLst>
           </p:cNvPr>
@@ -7871,348 +8271,6 @@
     <p:extLst>
       <p:ext uri="{BB962C8B-B14F-4D97-AF65-F5344CB8AC3E}">
         <p14:creationId xmlns:p14="http://schemas.microsoft.com/office/powerpoint/2010/main" val="2284433008"/>
-      </p:ext>
-    </p:extLst>
-  </p:cSld>
-  <p:clrMapOvr>
-    <a:masterClrMapping/>
-  </p:clrMapOvr>
-  <p:transition spd="slow">
-    <p:push dir="u"/>
-  </p:transition>
-  <p:timing>
-    <p:tnLst>
-      <p:par>
-        <p:cTn id="1" dur="indefinite" restart="never" nodeType="tmRoot"/>
-      </p:par>
-    </p:tnLst>
-  </p:timing>
-</p:sld>
-</file>
-
-<file path=ppt/slides/slide9.xml><?xml version="1.0" encoding="utf-8"?>
-<p:sld xmlns:a="http://schemas.openxmlformats.org/drawingml/2006/main" xmlns:r="http://schemas.openxmlformats.org/officeDocument/2006/relationships" xmlns:p="http://schemas.openxmlformats.org/presentationml/2006/main">
-  <p:cSld>
-    <p:bg>
-      <p:bgPr>
-        <a:solidFill>
-          <a:schemeClr val="bg1"/>
-        </a:solidFill>
-        <a:effectLst/>
-      </p:bgPr>
-    </p:bg>
-    <p:spTree>
-      <p:nvGrpSpPr>
-        <p:cNvPr id="1" name=""/>
-        <p:cNvGrpSpPr/>
-        <p:nvPr/>
-      </p:nvGrpSpPr>
-      <p:grpSpPr>
-        <a:xfrm>
-          <a:off x="0" y="0"/>
-          <a:ext cx="0" cy="0"/>
-          <a:chOff x="0" y="0"/>
-          <a:chExt cx="0" cy="0"/>
-        </a:xfrm>
-      </p:grpSpPr>
-      <p:sp>
-        <p:nvSpPr>
-          <p:cNvPr id="22" name="Rectangle 18">
-            <a:extLst>
-              <a:ext uri="{FF2B5EF4-FFF2-40B4-BE49-F238E27FC236}">
-                <a16:creationId xmlns:a16="http://schemas.microsoft.com/office/drawing/2014/main" id="{37C89E4B-3C9F-44B9-8B86-D9E3D112D8EC}"/>
-              </a:ext>
-              <a:ext uri="{C183D7F6-B498-43B3-948B-1728B52AA6E4}">
-                <adec:decorative xmlns:adec="http://schemas.microsoft.com/office/drawing/2017/decorative" xmlns="" val="1"/>
-              </a:ext>
-            </a:extLst>
-          </p:cNvPr>
-          <p:cNvSpPr>
-            <a:spLocks noGrp="1" noRot="1" noChangeAspect="1" noMove="1" noResize="1" noEditPoints="1" noAdjustHandles="1" noChangeArrowheads="1" noChangeShapeType="1" noTextEdit="1"/>
-          </p:cNvSpPr>
-          <p:nvPr>
-            <p:extLst>
-              <p:ext uri="{386F3935-93C4-4BCD-93E2-E3B085C9AB24}">
-                <p16:designElem xmlns:p16="http://schemas.microsoft.com/office/powerpoint/2015/main" val="1"/>
-              </p:ext>
-            </p:extLst>
-          </p:nvPr>
-        </p:nvSpPr>
-        <p:spPr>
-          <a:xfrm>
-            <a:off x="0" y="5320142"/>
-            <a:ext cx="12192000" cy="736551"/>
-          </a:xfrm>
-          <a:prstGeom prst="rect">
-            <a:avLst/>
-          </a:prstGeom>
-          <a:solidFill>
-            <a:schemeClr val="bg1">
-              <a:alpha val="93000"/>
-            </a:schemeClr>
-          </a:solidFill>
-          <a:ln>
-            <a:noFill/>
-          </a:ln>
-        </p:spPr>
-        <p:style>
-          <a:lnRef idx="2">
-            <a:schemeClr val="accent1">
-              <a:shade val="50000"/>
-            </a:schemeClr>
-          </a:lnRef>
-          <a:fillRef idx="1">
-            <a:schemeClr val="accent1"/>
-          </a:fillRef>
-          <a:effectRef idx="0">
-            <a:schemeClr val="accent1"/>
-          </a:effectRef>
-          <a:fontRef idx="minor">
-            <a:schemeClr val="lt1"/>
-          </a:fontRef>
-        </p:style>
-        <p:txBody>
-          <a:bodyPr rtlCol="0" anchor="ctr"/>
-          <a:lstStyle/>
-          <a:p>
-            <a:pPr algn="ctr"/>
-            <a:endParaRPr lang="en-US"/>
-          </a:p>
-        </p:txBody>
-      </p:sp>
-      <p:cxnSp>
-        <p:nvCxnSpPr>
-          <p:cNvPr id="21" name="Straight Connector 20">
-            <a:extLst>
-              <a:ext uri="{FF2B5EF4-FFF2-40B4-BE49-F238E27FC236}">
-                <a16:creationId xmlns:a16="http://schemas.microsoft.com/office/drawing/2014/main" id="{AA2EAA10-076F-46BD-8F0F-B9A2FB77A85C}"/>
-              </a:ext>
-              <a:ext uri="{C183D7F6-B498-43B3-948B-1728B52AA6E4}">
-                <adec:decorative xmlns:adec="http://schemas.microsoft.com/office/drawing/2017/decorative" xmlns="" val="1"/>
-              </a:ext>
-            </a:extLst>
-          </p:cNvPr>
-          <p:cNvCxnSpPr>
-            <a:cxnSpLocks noGrp="1" noRot="1" noChangeAspect="1" noMove="1" noResize="1" noEditPoints="1" noAdjustHandles="1" noChangeArrowheads="1" noChangeShapeType="1"/>
-          </p:cNvCxnSpPr>
-          <p:nvPr>
-            <p:extLst>
-              <p:ext uri="{386F3935-93C4-4BCD-93E2-E3B085C9AB24}">
-                <p16:designElem xmlns:p16="http://schemas.microsoft.com/office/powerpoint/2015/main" val="1"/>
-              </p:ext>
-            </p:extLst>
-          </p:nvPr>
-        </p:nvCxnSpPr>
-        <p:spPr>
-          <a:xfrm>
-            <a:off x="0" y="5241983"/>
-            <a:ext cx="12192000" cy="0"/>
-          </a:xfrm>
-          <a:prstGeom prst="line">
-            <a:avLst/>
-          </a:prstGeom>
-          <a:ln w="41275">
-            <a:solidFill>
-              <a:schemeClr val="bg1">
-                <a:alpha val="90000"/>
-              </a:schemeClr>
-            </a:solidFill>
-          </a:ln>
-        </p:spPr>
-        <p:style>
-          <a:lnRef idx="1">
-            <a:schemeClr val="accent1"/>
-          </a:lnRef>
-          <a:fillRef idx="0">
-            <a:schemeClr val="accent1"/>
-          </a:fillRef>
-          <a:effectRef idx="0">
-            <a:schemeClr val="accent1"/>
-          </a:effectRef>
-          <a:fontRef idx="minor">
-            <a:schemeClr val="tx1"/>
-          </a:fontRef>
-        </p:style>
-      </p:cxnSp>
-      <p:cxnSp>
-        <p:nvCxnSpPr>
-          <p:cNvPr id="23" name="Straight Connector 22">
-            <a:extLst>
-              <a:ext uri="{FF2B5EF4-FFF2-40B4-BE49-F238E27FC236}">
-                <a16:creationId xmlns:a16="http://schemas.microsoft.com/office/drawing/2014/main" id="{D891E407-403B-4764-86C9-33A56D3BCAA3}"/>
-              </a:ext>
-              <a:ext uri="{C183D7F6-B498-43B3-948B-1728B52AA6E4}">
-                <adec:decorative xmlns:adec="http://schemas.microsoft.com/office/drawing/2017/decorative" xmlns="" val="1"/>
-              </a:ext>
-            </a:extLst>
-          </p:cNvPr>
-          <p:cNvCxnSpPr>
-            <a:cxnSpLocks noGrp="1" noRot="1" noChangeAspect="1" noMove="1" noResize="1" noEditPoints="1" noAdjustHandles="1" noChangeArrowheads="1" noChangeShapeType="1"/>
-          </p:cNvCxnSpPr>
-          <p:nvPr>
-            <p:extLst>
-              <p:ext uri="{386F3935-93C4-4BCD-93E2-E3B085C9AB24}">
-                <p16:designElem xmlns:p16="http://schemas.microsoft.com/office/powerpoint/2015/main" val="1"/>
-              </p:ext>
-            </p:extLst>
-          </p:nvPr>
-        </p:nvCxnSpPr>
-        <p:spPr>
-          <a:xfrm>
-            <a:off x="0" y="6134852"/>
-            <a:ext cx="12192000" cy="0"/>
-          </a:xfrm>
-          <a:prstGeom prst="line">
-            <a:avLst/>
-          </a:prstGeom>
-          <a:ln w="41275">
-            <a:solidFill>
-              <a:schemeClr val="bg1">
-                <a:alpha val="90000"/>
-              </a:schemeClr>
-            </a:solidFill>
-          </a:ln>
-        </p:spPr>
-        <p:style>
-          <a:lnRef idx="1">
-            <a:schemeClr val="accent1"/>
-          </a:lnRef>
-          <a:fillRef idx="0">
-            <a:schemeClr val="accent1"/>
-          </a:fillRef>
-          <a:effectRef idx="0">
-            <a:schemeClr val="accent1"/>
-          </a:effectRef>
-          <a:fontRef idx="minor">
-            <a:schemeClr val="tx1"/>
-          </a:fontRef>
-        </p:style>
-      </p:cxnSp>
-      <p:pic>
-        <p:nvPicPr>
-          <p:cNvPr id="2050" name="Picture 2" descr="Coplus seek Full Stack Web Developer - Coplus"/>
-          <p:cNvPicPr>
-            <a:picLocks noGrp="1" noChangeAspect="1" noChangeArrowheads="1"/>
-          </p:cNvPicPr>
-          <p:nvPr>
-            <p:ph type="pic" idx="1"/>
-          </p:nvPr>
-        </p:nvPicPr>
-        <p:blipFill>
-          <a:blip r:embed="rId2">
-            <a:extLst>
-              <a:ext uri="{28A0092B-C50C-407E-A947-70E740481C1C}">
-                <a14:useLocalDpi xmlns:a14="http://schemas.microsoft.com/office/drawing/2010/main" val="0"/>
-              </a:ext>
-            </a:extLst>
-          </a:blip>
-          <a:srcRect l="11359" r="11359"/>
-          <a:stretch>
-            <a:fillRect/>
-          </a:stretch>
-        </p:blipFill>
-        <p:spPr bwMode="auto">
-          <a:xfrm>
-            <a:off x="0" y="6708"/>
-            <a:ext cx="12344400" cy="9747250"/>
-          </a:xfrm>
-          <a:prstGeom prst="rect">
-            <a:avLst/>
-          </a:prstGeom>
-          <a:noFill/>
-          <a:extLst>
-            <a:ext uri="{909E8E84-426E-40DD-AFC4-6F175D3DCCD1}">
-              <a14:hiddenFill xmlns:a14="http://schemas.microsoft.com/office/drawing/2010/main">
-                <a:solidFill>
-                  <a:srgbClr val="FFFFFF"/>
-                </a:solidFill>
-              </a14:hiddenFill>
-            </a:ext>
-          </a:extLst>
-        </p:spPr>
-      </p:pic>
-      <p:sp>
-        <p:nvSpPr>
-          <p:cNvPr id="11" name="Заглавие 1">
-            <a:extLst>
-              <a:ext uri="{FF2B5EF4-FFF2-40B4-BE49-F238E27FC236}">
-                <a16:creationId xmlns:a16="http://schemas.microsoft.com/office/drawing/2014/main" id="{0C3F9B46-8E7D-FBDF-95C3-820B9C5CAF05}"/>
-              </a:ext>
-            </a:extLst>
-          </p:cNvPr>
-          <p:cNvSpPr txBox="1">
-            <a:spLocks/>
-          </p:cNvSpPr>
-          <p:nvPr/>
-        </p:nvSpPr>
-        <p:spPr>
-          <a:xfrm>
-            <a:off x="3300153" y="5317240"/>
-            <a:ext cx="5793971" cy="744836"/>
-          </a:xfrm>
-          <a:prstGeom prst="rect">
-            <a:avLst/>
-          </a:prstGeom>
-          <a:solidFill>
-            <a:schemeClr val="bg1"/>
-          </a:solidFill>
-        </p:spPr>
-        <p:txBody>
-          <a:bodyPr vert="horz" lIns="91440" tIns="45720" rIns="91440" bIns="45720" rtlCol="0" anchor="ctr">
-            <a:normAutofit/>
-          </a:bodyPr>
-          <a:lstStyle>
-            <a:lvl1pPr algn="l" defTabSz="914400" rtl="0" eaLnBrk="1" latinLnBrk="0" hangingPunct="1">
-              <a:lnSpc>
-                <a:spcPct val="90000"/>
-              </a:lnSpc>
-              <a:spcBef>
-                <a:spcPct val="0"/>
-              </a:spcBef>
-              <a:buNone/>
-              <a:defRPr sz="3200" kern="1200">
-                <a:solidFill>
-                  <a:schemeClr val="tx1"/>
-                </a:solidFill>
-                <a:latin typeface="+mj-lt"/>
-                <a:ea typeface="+mj-ea"/>
-                <a:cs typeface="+mj-cs"/>
-              </a:defRPr>
-            </a:lvl1pPr>
-          </a:lstStyle>
-          <a:p>
-            <a:pPr algn="ctr"/>
-            <a:r>
-              <a:rPr lang="en-US" sz="2300" dirty="0" smtClean="0"/>
-              <a:t>БЛАГОДАРЯ ВИ ЗА ВНИМАНИЕТО! </a:t>
-            </a:r>
-            <a:br>
-              <a:rPr lang="en-US" sz="2300" dirty="0" smtClean="0"/>
-            </a:br>
-            <a:r>
-              <a:rPr lang="en-US" sz="2300" dirty="0" err="1" smtClean="0"/>
-              <a:t>Използвана</a:t>
-            </a:r>
-            <a:r>
-              <a:rPr lang="en-US" sz="2300" dirty="0" smtClean="0"/>
-              <a:t> </a:t>
-            </a:r>
-            <a:r>
-              <a:rPr lang="en-US" sz="2300" dirty="0" err="1" smtClean="0"/>
-              <a:t>литература</a:t>
-            </a:r>
-            <a:r>
-              <a:rPr lang="en-US" sz="2300" dirty="0" smtClean="0"/>
-              <a:t> : GitHub</a:t>
-            </a:r>
-            <a:endParaRPr lang="en-US" sz="2300" dirty="0"/>
-          </a:p>
-        </p:txBody>
-      </p:sp>
-    </p:spTree>
-    <p:extLst>
-      <p:ext uri="{BB962C8B-B14F-4D97-AF65-F5344CB8AC3E}">
-        <p14:creationId xmlns:p14="http://schemas.microsoft.com/office/powerpoint/2010/main" val="2726626398"/>
       </p:ext>
     </p:extLst>
   </p:cSld>
